--- a/Diplom Yanovich.pptx
+++ b/Diplom Yanovich.pptx
@@ -107,6 +107,11 @@
       </a:defRPr>
     </a:lvl9pPr>
   </p:defaultTextStyle>
+  <p:extLst>
+    <p:ext uri="{EFAFB233-063F-42B5-8137-9DF3F51BA10A}">
+      <p15:sldGuideLst xmlns:p15="http://schemas.microsoft.com/office/powerpoint/2012/main"/>
+    </p:ext>
+  </p:extLst>
 </p:presentation>
 </file>
 
@@ -832,7 +837,7 @@
           <a:p>
             <a:fld id="{4CFEB41F-5E6D-4FEE-BF87-96DD94CBA50D}" type="datetimeFigureOut">
               <a:rPr lang="ru-RU" smtClean="0"/>
-              <a:t>23.07.2024</a:t>
+              <a:t>12.08.2024</a:t>
             </a:fld>
             <a:endParaRPr lang="ru-RU"/>
           </a:p>
@@ -1083,7 +1088,7 @@
           <a:p>
             <a:fld id="{4CFEB41F-5E6D-4FEE-BF87-96DD94CBA50D}" type="datetimeFigureOut">
               <a:rPr lang="ru-RU" smtClean="0"/>
-              <a:t>23.07.2024</a:t>
+              <a:t>12.08.2024</a:t>
             </a:fld>
             <a:endParaRPr lang="ru-RU"/>
           </a:p>
@@ -1397,7 +1402,7 @@
           <a:p>
             <a:fld id="{4CFEB41F-5E6D-4FEE-BF87-96DD94CBA50D}" type="datetimeFigureOut">
               <a:rPr lang="ru-RU" smtClean="0"/>
-              <a:t>23.07.2024</a:t>
+              <a:t>12.08.2024</a:t>
             </a:fld>
             <a:endParaRPr lang="ru-RU"/>
           </a:p>
@@ -1738,7 +1743,7 @@
           <a:p>
             <a:fld id="{4CFEB41F-5E6D-4FEE-BF87-96DD94CBA50D}" type="datetimeFigureOut">
               <a:rPr lang="ru-RU" smtClean="0"/>
-              <a:t>23.07.2024</a:t>
+              <a:t>12.08.2024</a:t>
             </a:fld>
             <a:endParaRPr lang="ru-RU"/>
           </a:p>
@@ -2052,7 +2057,7 @@
           <a:p>
             <a:fld id="{4CFEB41F-5E6D-4FEE-BF87-96DD94CBA50D}" type="datetimeFigureOut">
               <a:rPr lang="ru-RU" smtClean="0"/>
-              <a:t>23.07.2024</a:t>
+              <a:t>12.08.2024</a:t>
             </a:fld>
             <a:endParaRPr lang="ru-RU"/>
           </a:p>
@@ -2445,7 +2450,7 @@
           <a:p>
             <a:fld id="{4CFEB41F-5E6D-4FEE-BF87-96DD94CBA50D}" type="datetimeFigureOut">
               <a:rPr lang="ru-RU" smtClean="0"/>
-              <a:t>23.07.2024</a:t>
+              <a:t>12.08.2024</a:t>
             </a:fld>
             <a:endParaRPr lang="ru-RU"/>
           </a:p>
@@ -2615,7 +2620,7 @@
           <a:p>
             <a:fld id="{4CFEB41F-5E6D-4FEE-BF87-96DD94CBA50D}" type="datetimeFigureOut">
               <a:rPr lang="ru-RU" smtClean="0"/>
-              <a:t>23.07.2024</a:t>
+              <a:t>12.08.2024</a:t>
             </a:fld>
             <a:endParaRPr lang="ru-RU"/>
           </a:p>
@@ -2795,7 +2800,7 @@
           <a:p>
             <a:fld id="{4CFEB41F-5E6D-4FEE-BF87-96DD94CBA50D}" type="datetimeFigureOut">
               <a:rPr lang="ru-RU" smtClean="0"/>
-              <a:t>23.07.2024</a:t>
+              <a:t>12.08.2024</a:t>
             </a:fld>
             <a:endParaRPr lang="ru-RU"/>
           </a:p>
@@ -2971,7 +2976,7 @@
           <a:p>
             <a:fld id="{4CFEB41F-5E6D-4FEE-BF87-96DD94CBA50D}" type="datetimeFigureOut">
               <a:rPr lang="ru-RU" smtClean="0"/>
-              <a:t>23.07.2024</a:t>
+              <a:t>12.08.2024</a:t>
             </a:fld>
             <a:endParaRPr lang="ru-RU"/>
           </a:p>
@@ -3218,7 +3223,7 @@
           <a:p>
             <a:fld id="{4CFEB41F-5E6D-4FEE-BF87-96DD94CBA50D}" type="datetimeFigureOut">
               <a:rPr lang="ru-RU" smtClean="0"/>
-              <a:t>23.07.2024</a:t>
+              <a:t>12.08.2024</a:t>
             </a:fld>
             <a:endParaRPr lang="ru-RU"/>
           </a:p>
@@ -3450,7 +3455,7 @@
           <a:p>
             <a:fld id="{4CFEB41F-5E6D-4FEE-BF87-96DD94CBA50D}" type="datetimeFigureOut">
               <a:rPr lang="ru-RU" smtClean="0"/>
-              <a:t>23.07.2024</a:t>
+              <a:t>12.08.2024</a:t>
             </a:fld>
             <a:endParaRPr lang="ru-RU"/>
           </a:p>
@@ -3824,7 +3829,7 @@
           <a:p>
             <a:fld id="{4CFEB41F-5E6D-4FEE-BF87-96DD94CBA50D}" type="datetimeFigureOut">
               <a:rPr lang="ru-RU" smtClean="0"/>
-              <a:t>23.07.2024</a:t>
+              <a:t>12.08.2024</a:t>
             </a:fld>
             <a:endParaRPr lang="ru-RU"/>
           </a:p>
@@ -3947,7 +3952,7 @@
           <a:p>
             <a:fld id="{4CFEB41F-5E6D-4FEE-BF87-96DD94CBA50D}" type="datetimeFigureOut">
               <a:rPr lang="ru-RU" smtClean="0"/>
-              <a:t>23.07.2024</a:t>
+              <a:t>12.08.2024</a:t>
             </a:fld>
             <a:endParaRPr lang="ru-RU"/>
           </a:p>
@@ -4042,7 +4047,7 @@
           <a:p>
             <a:fld id="{4CFEB41F-5E6D-4FEE-BF87-96DD94CBA50D}" type="datetimeFigureOut">
               <a:rPr lang="ru-RU" smtClean="0"/>
-              <a:t>23.07.2024</a:t>
+              <a:t>12.08.2024</a:t>
             </a:fld>
             <a:endParaRPr lang="ru-RU"/>
           </a:p>
@@ -4297,7 +4302,7 @@
           <a:p>
             <a:fld id="{4CFEB41F-5E6D-4FEE-BF87-96DD94CBA50D}" type="datetimeFigureOut">
               <a:rPr lang="ru-RU" smtClean="0"/>
-              <a:t>23.07.2024</a:t>
+              <a:t>12.08.2024</a:t>
             </a:fld>
             <a:endParaRPr lang="ru-RU"/>
           </a:p>
@@ -4560,7 +4565,7 @@
           <a:p>
             <a:fld id="{4CFEB41F-5E6D-4FEE-BF87-96DD94CBA50D}" type="datetimeFigureOut">
               <a:rPr lang="ru-RU" smtClean="0"/>
-              <a:t>23.07.2024</a:t>
+              <a:t>12.08.2024</a:t>
             </a:fld>
             <a:endParaRPr lang="ru-RU"/>
           </a:p>
@@ -5303,7 +5308,7 @@
           <a:p>
             <a:fld id="{4CFEB41F-5E6D-4FEE-BF87-96DD94CBA50D}" type="datetimeFigureOut">
               <a:rPr lang="ru-RU" smtClean="0"/>
-              <a:t>23.07.2024</a:t>
+              <a:t>12.08.2024</a:t>
             </a:fld>
             <a:endParaRPr lang="ru-RU"/>
           </a:p>
@@ -5890,6 +5895,13 @@
             <a:r>
               <a:rPr lang="ru-RU" dirty="0" err="1" smtClean="0"/>
               <a:t>Збигневна</a:t>
+            </a:r>
+            <a:endParaRPr lang="en-US" dirty="0" smtClean="0"/>
+          </a:p>
+          <a:p>
+            <a:r>
+              <a:rPr lang="en-US" dirty="0"/>
+              <a:t>https://github.com/ToffeeGalka/DP.git</a:t>
             </a:r>
             <a:endParaRPr lang="ru-RU" dirty="0" smtClean="0"/>
           </a:p>
